--- a/Athletic/MidPresentation.pptx
+++ b/Athletic/MidPresentation.pptx
@@ -110,6 +110,11 @@
       </a:defRPr>
     </a:lvl9pPr>
   </p:defaultTextStyle>
+  <p:extLst>
+    <p:ext uri="{EFAFB233-063F-42B5-8137-9DF3F51BA10A}">
+      <p15:sldGuideLst xmlns:p15="http://schemas.microsoft.com/office/powerpoint/2012/main"/>
+    </p:ext>
+  </p:extLst>
 </p:presentation>
 </file>
 
@@ -859,7 +864,7 @@
             <a:fld id="{B61BEF0D-F0BB-DE4B-95CE-6DB70DBA9567}" type="datetimeFigureOut">
               <a:rPr lang="en-US" dirty="0"/>
               <a:pPr/>
-              <a:t>9/27/2017</a:t>
+              <a:t>9/28/2017</a:t>
             </a:fld>
             <a:endParaRPr lang="en-US" dirty="0"/>
           </a:p>
@@ -1107,7 +1112,7 @@
             <a:fld id="{B61BEF0D-F0BB-DE4B-95CE-6DB70DBA9567}" type="datetimeFigureOut">
               <a:rPr lang="en-US" dirty="0"/>
               <a:pPr/>
-              <a:t>9/27/2017</a:t>
+              <a:t>9/28/2017</a:t>
             </a:fld>
             <a:endParaRPr lang="en-US" dirty="0"/>
           </a:p>
@@ -1418,7 +1423,7 @@
             <a:fld id="{B61BEF0D-F0BB-DE4B-95CE-6DB70DBA9567}" type="datetimeFigureOut">
               <a:rPr lang="en-US" dirty="0"/>
               <a:pPr/>
-              <a:t>9/27/2017</a:t>
+              <a:t>9/28/2017</a:t>
             </a:fld>
             <a:endParaRPr lang="en-US" dirty="0"/>
           </a:p>
@@ -1748,7 +1753,7 @@
             <a:fld id="{B61BEF0D-F0BB-DE4B-95CE-6DB70DBA9567}" type="datetimeFigureOut">
               <a:rPr lang="en-US" dirty="0"/>
               <a:pPr/>
-              <a:t>9/27/2017</a:t>
+              <a:t>9/28/2017</a:t>
             </a:fld>
             <a:endParaRPr lang="en-US" dirty="0"/>
           </a:p>
@@ -2059,7 +2064,7 @@
             <a:fld id="{B61BEF0D-F0BB-DE4B-95CE-6DB70DBA9567}" type="datetimeFigureOut">
               <a:rPr lang="en-US" dirty="0"/>
               <a:pPr/>
-              <a:t>9/27/2017</a:t>
+              <a:t>9/28/2017</a:t>
             </a:fld>
             <a:endParaRPr lang="en-US" dirty="0"/>
           </a:p>
@@ -2449,7 +2454,7 @@
             <a:fld id="{B61BEF0D-F0BB-DE4B-95CE-6DB70DBA9567}" type="datetimeFigureOut">
               <a:rPr lang="en-US" dirty="0"/>
               <a:pPr/>
-              <a:t>9/27/2017</a:t>
+              <a:t>9/28/2017</a:t>
             </a:fld>
             <a:endParaRPr lang="en-US" dirty="0"/>
           </a:p>
@@ -2647,7 +2652,7 @@
           <a:p>
             <a:fld id="{55C6B4A9-1611-4792-9094-5F34BCA07E0B}" type="datetimeFigureOut">
               <a:rPr lang="en-US" dirty="0"/>
-              <a:t>9/27/2017</a:t>
+              <a:t>9/28/2017</a:t>
             </a:fld>
             <a:endParaRPr lang="en-US" dirty="0"/>
           </a:p>
@@ -2855,7 +2860,7 @@
             <a:fld id="{B61BEF0D-F0BB-DE4B-95CE-6DB70DBA9567}" type="datetimeFigureOut">
               <a:rPr lang="en-US" dirty="0"/>
               <a:pPr/>
-              <a:t>9/27/2017</a:t>
+              <a:t>9/28/2017</a:t>
             </a:fld>
             <a:endParaRPr lang="en-US" dirty="0"/>
           </a:p>
@@ -3053,7 +3058,7 @@
           <a:p>
             <a:fld id="{42A54C80-263E-416B-A8E0-580EDEADCBDC}" type="datetimeFigureOut">
               <a:rPr lang="en-US" dirty="0"/>
-              <a:t>9/27/2017</a:t>
+              <a:t>9/28/2017</a:t>
             </a:fld>
             <a:endParaRPr lang="en-US" dirty="0"/>
           </a:p>
@@ -3296,7 +3301,7 @@
             <a:fld id="{B61BEF0D-F0BB-DE4B-95CE-6DB70DBA9567}" type="datetimeFigureOut">
               <a:rPr lang="en-US" dirty="0"/>
               <a:pPr/>
-              <a:t>9/27/2017</a:t>
+              <a:t>9/28/2017</a:t>
             </a:fld>
             <a:endParaRPr lang="en-US" dirty="0"/>
           </a:p>
@@ -3588,7 +3593,7 @@
           <a:p>
             <a:fld id="{42A54C80-263E-416B-A8E0-580EDEADCBDC}" type="datetimeFigureOut">
               <a:rPr lang="en-US" dirty="0"/>
-              <a:t>9/27/2017</a:t>
+              <a:t>9/28/2017</a:t>
             </a:fld>
             <a:endParaRPr lang="en-US" dirty="0"/>
           </a:p>
@@ -4022,7 +4027,7 @@
             <a:fld id="{B61BEF0D-F0BB-DE4B-95CE-6DB70DBA9567}" type="datetimeFigureOut">
               <a:rPr lang="en-US" dirty="0"/>
               <a:pPr/>
-              <a:t>9/27/2017</a:t>
+              <a:t>9/28/2017</a:t>
             </a:fld>
             <a:endParaRPr lang="en-US" dirty="0"/>
           </a:p>
@@ -4142,7 +4147,7 @@
             <a:fld id="{B61BEF0D-F0BB-DE4B-95CE-6DB70DBA9567}" type="datetimeFigureOut">
               <a:rPr lang="en-US" dirty="0"/>
               <a:pPr/>
-              <a:t>9/27/2017</a:t>
+              <a:t>9/28/2017</a:t>
             </a:fld>
             <a:endParaRPr lang="en-US" dirty="0"/>
           </a:p>
@@ -4234,7 +4239,7 @@
             <a:fld id="{B61BEF0D-F0BB-DE4B-95CE-6DB70DBA9567}" type="datetimeFigureOut">
               <a:rPr lang="en-US" dirty="0"/>
               <a:pPr/>
-              <a:t>9/27/2017</a:t>
+              <a:t>9/28/2017</a:t>
             </a:fld>
             <a:endParaRPr lang="en-US" dirty="0"/>
           </a:p>
@@ -4517,7 +4522,7 @@
           <a:p>
             <a:fld id="{42A54C80-263E-416B-A8E0-580EDEADCBDC}" type="datetimeFigureOut">
               <a:rPr lang="en-US" dirty="0"/>
-              <a:t>9/27/2017</a:t>
+              <a:t>9/28/2017</a:t>
             </a:fld>
             <a:endParaRPr lang="en-US" dirty="0"/>
           </a:p>
@@ -4819,7 +4824,7 @@
             <a:fld id="{B61BEF0D-F0BB-DE4B-95CE-6DB70DBA9567}" type="datetimeFigureOut">
               <a:rPr lang="en-US" dirty="0"/>
               <a:pPr/>
-              <a:t>9/27/2017</a:t>
+              <a:t>9/28/2017</a:t>
             </a:fld>
             <a:endParaRPr lang="en-US" dirty="0"/>
           </a:p>
@@ -5549,7 +5554,7 @@
             <a:fld id="{B61BEF0D-F0BB-DE4B-95CE-6DB70DBA9567}" type="datetimeFigureOut">
               <a:rPr lang="en-US" dirty="0"/>
               <a:pPr/>
-              <a:t>9/27/2017</a:t>
+              <a:t>9/28/2017</a:t>
             </a:fld>
             <a:endParaRPr lang="en-US" dirty="0"/>
           </a:p>
@@ -6081,21 +6086,29 @@
         </p:nvSpPr>
         <p:spPr>
           <a:xfrm>
-            <a:off x="3540641" y="2404534"/>
-            <a:ext cx="5733361" cy="1646302"/>
+            <a:off x="591671" y="358588"/>
+            <a:ext cx="8682331" cy="3692248"/>
           </a:xfrm>
         </p:spPr>
         <p:txBody>
           <a:bodyPr/>
           <a:lstStyle/>
           <a:p>
+            <a:r>
+              <a:rPr lang="en-US" altLang="ja-JP" sz="6000" b="1" i="1" dirty="0" smtClean="0">
+                <a:latin typeface="Segoe UI Black" panose="020B0A02040204020203" pitchFamily="34" charset="0"/>
+                <a:ea typeface="Segoe UI Black" panose="020B0A02040204020203" pitchFamily="34" charset="0"/>
+                <a:cs typeface="Segoe UI Black" panose="020B0A02040204020203" pitchFamily="34" charset="0"/>
+              </a:rPr>
+              <a:t>Hit judgment</a:t>
+            </a:r>
             <a:r>
               <a:rPr lang="en-US" altLang="ja-JP" sz="6000" b="1" i="1" dirty="0">
                 <a:latin typeface="Segoe UI Black" panose="020B0A02040204020203" pitchFamily="34" charset="0"/>
                 <a:ea typeface="Segoe UI Black" panose="020B0A02040204020203" pitchFamily="34" charset="0"/>
                 <a:cs typeface="Segoe UI Black" panose="020B0A02040204020203" pitchFamily="34" charset="0"/>
               </a:rPr>
-              <a:t>Hit judgment</a:t>
+              <a:t/>
             </a:r>
             <a:br>
               <a:rPr lang="en-US" altLang="ja-JP" sz="6000" b="1" i="1" dirty="0">
@@ -6105,12 +6118,20 @@
               </a:rPr>
             </a:br>
             <a:r>
+              <a:rPr lang="en-US" altLang="ja-JP" sz="6000" b="1" i="1" dirty="0" smtClean="0">
+                <a:latin typeface="Segoe UI Black" panose="020B0A02040204020203" pitchFamily="34" charset="0"/>
+                <a:ea typeface="Segoe UI Black" panose="020B0A02040204020203" pitchFamily="34" charset="0"/>
+                <a:cs typeface="Segoe UI Black" panose="020B0A02040204020203" pitchFamily="34" charset="0"/>
+              </a:rPr>
+              <a:t>Athletic </a:t>
+            </a:r>
+            <a:r>
               <a:rPr lang="en-US" altLang="ja-JP" sz="6000" b="1" i="1" dirty="0">
                 <a:latin typeface="Segoe UI Black" panose="020B0A02040204020203" pitchFamily="34" charset="0"/>
                 <a:ea typeface="Segoe UI Black" panose="020B0A02040204020203" pitchFamily="34" charset="0"/>
                 <a:cs typeface="Segoe UI Black" panose="020B0A02040204020203" pitchFamily="34" charset="0"/>
               </a:rPr>
-              <a:t>Athletic game</a:t>
+              <a:t>game</a:t>
             </a:r>
             <a:endParaRPr kumimoji="1" lang="ja-JP" altLang="en-US" sz="6000" b="1" i="1" dirty="0">
               <a:latin typeface="Segoe UI Black" panose="020B0A02040204020203" pitchFamily="34" charset="0"/>
@@ -6202,13 +6223,13 @@
   <p:clrMapOvr>
     <a:masterClrMapping/>
   </p:clrMapOvr>
-  <mc:AlternateContent xmlns:mc="http://schemas.openxmlformats.org/markup-compatibility/2006">
-    <mc:Choice xmlns:p14="http://schemas.microsoft.com/office/powerpoint/2010/main" Requires="p14">
+  <mc:AlternateContent xmlns:mc="http://schemas.openxmlformats.org/markup-compatibility/2006" xmlns:p14="http://schemas.microsoft.com/office/powerpoint/2010/main">
+    <mc:Choice Requires="p14">
       <p:transition spd="med" p14:dur="700">
         <p:fade/>
       </p:transition>
     </mc:Choice>
-    <mc:Fallback>
+    <mc:Fallback xmlns="">
       <p:transition spd="med">
         <p:fade/>
       </p:transition>
@@ -6254,7 +6275,7 @@
         <p:spPr>
           <a:xfrm>
             <a:off x="677334" y="609600"/>
-            <a:ext cx="8596668" cy="734568"/>
+            <a:ext cx="8879042" cy="734568"/>
           </a:xfrm>
         </p:spPr>
         <p:txBody>
@@ -6286,6 +6307,14 @@
                 <a:cs typeface="Segoe UI Black" panose="020B0A02040204020203" pitchFamily="34" charset="0"/>
               </a:rPr>
               <a:t>contents</a:t>
+            </a:r>
+            <a:r>
+              <a:rPr lang="ja-JP" altLang="en-US" sz="5400" b="1" i="1" dirty="0" smtClean="0">
+                <a:latin typeface="Segoe UI Black" panose="020B0A02040204020203" pitchFamily="34" charset="0"/>
+                <a:ea typeface="Segoe UI Black" panose="020B0A02040204020203" pitchFamily="34" charset="0"/>
+                <a:cs typeface="Segoe UI Black" panose="020B0A02040204020203" pitchFamily="34" charset="0"/>
+              </a:rPr>
+              <a:t>～目次～</a:t>
             </a:r>
             <a:endParaRPr kumimoji="1" lang="ja-JP" altLang="en-US" sz="5400" b="1" i="1" dirty="0">
               <a:latin typeface="Segoe UI Black" panose="020B0A02040204020203" pitchFamily="34" charset="0"/>
@@ -6677,7 +6706,12 @@
             <p:ph type="title"/>
           </p:nvPr>
         </p:nvSpPr>
-        <p:spPr/>
+        <p:spPr>
+          <a:xfrm>
+            <a:off x="677333" y="609600"/>
+            <a:ext cx="10716807" cy="1320800"/>
+          </a:xfrm>
+        </p:spPr>
         <p:txBody>
           <a:bodyPr>
             <a:noAutofit/>
@@ -6700,7 +6734,22 @@
               </a:rPr>
               <a:t>?</a:t>
             </a:r>
-            <a:endParaRPr kumimoji="1" lang="ja-JP" altLang="en-US" sz="5400" i="1" dirty="0"/>
+            <a:r>
+              <a:rPr lang="ja-JP" altLang="en-US" sz="5400" b="1" i="1" dirty="0" smtClean="0">
+                <a:ln w="28575">
+                  <a:noFill/>
+                </a:ln>
+                <a:latin typeface="Segoe UI Black" panose="020B0A02040204020203" pitchFamily="34" charset="0"/>
+                <a:ea typeface="Segoe UI Black" panose="020B0A02040204020203" pitchFamily="34" charset="0"/>
+                <a:cs typeface="Segoe UI Black" panose="020B0A02040204020203" pitchFamily="34" charset="0"/>
+              </a:rPr>
+              <a:t>～制作理由～</a:t>
+            </a:r>
+            <a:endParaRPr kumimoji="1" lang="ja-JP" altLang="en-US" sz="5400" b="1" i="1" dirty="0">
+              <a:ln w="28575">
+                <a:noFill/>
+              </a:ln>
+            </a:endParaRPr>
           </a:p>
         </p:txBody>
       </p:sp>
@@ -7044,6 +7093,13 @@
               </a:rPr>
               <a:t>Task</a:t>
             </a:r>
+            <a:r>
+              <a:rPr lang="ja-JP" altLang="en-US" sz="5400" b="1" dirty="0" smtClean="0">
+                <a:latin typeface="Segoe UI Black" panose="020B0A02040204020203" pitchFamily="34" charset="0"/>
+                <a:cs typeface="Segoe UI Black" panose="020B0A02040204020203" pitchFamily="34" charset="0"/>
+              </a:rPr>
+              <a:t>～仕事～</a:t>
+            </a:r>
             <a:endParaRPr kumimoji="1" lang="ja-JP" altLang="en-US" sz="5400" dirty="0"/>
           </a:p>
         </p:txBody>
@@ -7208,7 +7264,7 @@
         </p:nvGrpSpPr>
         <p:grpSpPr>
           <a:xfrm>
-            <a:off x="6836599" y="1211612"/>
+            <a:off x="8299181" y="2036669"/>
             <a:ext cx="1474066" cy="1437575"/>
             <a:chOff x="6836599" y="1211612"/>
             <a:chExt cx="1474066" cy="1437575"/>
@@ -7465,7 +7521,7 @@
         </p:nvGrpSpPr>
         <p:grpSpPr>
           <a:xfrm>
-            <a:off x="7659013" y="3510934"/>
+            <a:off x="8172786" y="3961019"/>
             <a:ext cx="1531975" cy="1170014"/>
             <a:chOff x="7659013" y="3510934"/>
             <a:chExt cx="1531975" cy="1170014"/>
@@ -8209,6 +8265,13 @@
               </a:rPr>
               <a:t>Situation</a:t>
             </a:r>
+            <a:r>
+              <a:rPr lang="ja-JP" altLang="en-US" sz="5400" b="1" dirty="0" smtClean="0">
+                <a:latin typeface="Segoe UI Black" panose="020B0A02040204020203" pitchFamily="34" charset="0"/>
+                <a:cs typeface="Segoe UI Black" panose="020B0A02040204020203" pitchFamily="34" charset="0"/>
+              </a:rPr>
+              <a:t>～現状～</a:t>
+            </a:r>
             <a:endParaRPr kumimoji="1" lang="ja-JP" altLang="en-US" dirty="0"/>
           </a:p>
         </p:txBody>
@@ -8573,6 +8636,14 @@
                 <a:cs typeface="Segoe UI Black" panose="020B0A02040204020203" pitchFamily="34" charset="0"/>
               </a:rPr>
               <a:t>Problem</a:t>
+            </a:r>
+            <a:r>
+              <a:rPr lang="ja-JP" altLang="en-US" sz="5400" b="1" dirty="0" smtClean="0">
+                <a:latin typeface="Segoe UI Black" panose="020B0A02040204020203" pitchFamily="34" charset="0"/>
+                <a:ea typeface="Segoe UI Black" panose="020B0A02040204020203" pitchFamily="34" charset="0"/>
+                <a:cs typeface="Segoe UI Black" panose="020B0A02040204020203" pitchFamily="34" charset="0"/>
+              </a:rPr>
+              <a:t>～問題点～</a:t>
             </a:r>
             <a:endParaRPr kumimoji="1" lang="ja-JP" altLang="en-US" sz="3200" dirty="0"/>
           </a:p>
